--- a/courses/su/cs211/files/lecture_02.pptx
+++ b/courses/su/cs211/files/lecture_02.pptx
@@ -5,7 +5,7 @@
     <p:sldMasterId id="2147483821" r:id="rId1"/>
   </p:sldMasterIdLst>
   <p:notesMasterIdLst>
-    <p:notesMasterId r:id="rId16"/>
+    <p:notesMasterId r:id="rId17"/>
   </p:notesMasterIdLst>
   <p:sldIdLst>
     <p:sldId id="281" r:id="rId2"/>
@@ -17,11 +17,12 @@
     <p:sldId id="277" r:id="rId8"/>
     <p:sldId id="278" r:id="rId9"/>
     <p:sldId id="279" r:id="rId10"/>
-    <p:sldId id="282" r:id="rId11"/>
-    <p:sldId id="283" r:id="rId12"/>
-    <p:sldId id="284" r:id="rId13"/>
-    <p:sldId id="285" r:id="rId14"/>
-    <p:sldId id="280" r:id="rId15"/>
+    <p:sldId id="286" r:id="rId11"/>
+    <p:sldId id="282" r:id="rId12"/>
+    <p:sldId id="283" r:id="rId13"/>
+    <p:sldId id="284" r:id="rId14"/>
+    <p:sldId id="285" r:id="rId15"/>
+    <p:sldId id="280" r:id="rId16"/>
   </p:sldIdLst>
   <p:sldSz cx="12192000" cy="6858000"/>
   <p:notesSz cx="6858000" cy="9144000"/>
@@ -210,7 +211,7 @@
           <a:p>
             <a:fld id="{9A83738A-DDA9-409E-879A-2EF15B55005F}" type="datetimeFigureOut">
               <a:rPr lang="en-US" smtClean="0"/>
-              <a:t>9/12/2018</a:t>
+              <a:t>9/19/2018</a:t>
             </a:fld>
             <a:endParaRPr lang="en-US"/>
           </a:p>
@@ -1046,7 +1047,7 @@
           <a:p>
             <a:fld id="{FC554658-B64E-41F4-9609-F50A2D449784}" type="slidenum">
               <a:rPr lang="en-US" smtClean="0"/>
-              <a:t>10</a:t>
+              <a:t>11</a:t>
             </a:fld>
             <a:endParaRPr lang="en-US"/>
           </a:p>
@@ -1130,7 +1131,7 @@
           <a:p>
             <a:fld id="{FC554658-B64E-41F4-9609-F50A2D449784}" type="slidenum">
               <a:rPr lang="en-US" smtClean="0"/>
-              <a:t>11</a:t>
+              <a:t>12</a:t>
             </a:fld>
             <a:endParaRPr lang="en-US"/>
           </a:p>
@@ -6446,6 +6447,873 @@
       </p:grpSpPr>
       <p:sp>
         <p:nvSpPr>
+          <p:cNvPr id="6" name="Title 5">
+            <a:extLst>
+              <a:ext uri="{FF2B5EF4-FFF2-40B4-BE49-F238E27FC236}">
+                <a16:creationId xmlns:a16="http://schemas.microsoft.com/office/drawing/2014/main" id="{3BAEBE64-155F-4781-8352-F119E787576E}"/>
+              </a:ext>
+            </a:extLst>
+          </p:cNvPr>
+          <p:cNvSpPr>
+            <a:spLocks noGrp="1"/>
+          </p:cNvSpPr>
+          <p:nvPr>
+            <p:ph type="title"/>
+          </p:nvPr>
+        </p:nvSpPr>
+        <p:spPr/>
+        <p:txBody>
+          <a:bodyPr/>
+          <a:lstStyle/>
+          <a:p>
+            <a:r>
+              <a:rPr lang="en-US" dirty="0"/>
+              <a:t>Conversion Methods Summary</a:t>
+            </a:r>
+          </a:p>
+        </p:txBody>
+      </p:sp>
+      <p:graphicFrame>
+        <p:nvGraphicFramePr>
+          <p:cNvPr id="9" name="Content Placeholder 8">
+            <a:extLst>
+              <a:ext uri="{FF2B5EF4-FFF2-40B4-BE49-F238E27FC236}">
+                <a16:creationId xmlns:a16="http://schemas.microsoft.com/office/drawing/2014/main" id="{3C165CCC-70C2-465A-8A42-54483B2E71BA}"/>
+              </a:ext>
+            </a:extLst>
+          </p:cNvPr>
+          <p:cNvGraphicFramePr>
+            <a:graphicFrameLocks noGrp="1"/>
+          </p:cNvGraphicFramePr>
+          <p:nvPr>
+            <p:ph idx="1"/>
+            <p:extLst>
+              <p:ext uri="{D42A27DB-BD31-4B8C-83A1-F6EECF244321}">
+                <p14:modId xmlns:p14="http://schemas.microsoft.com/office/powerpoint/2010/main" val="1120782445"/>
+              </p:ext>
+            </p:extLst>
+          </p:nvPr>
+        </p:nvGraphicFramePr>
+        <p:xfrm>
+          <a:off x="4663965" y="1554480"/>
+          <a:ext cx="7070835" cy="3749040"/>
+        </p:xfrm>
+        <a:graphic>
+          <a:graphicData uri="http://schemas.openxmlformats.org/drawingml/2006/table">
+            <a:tbl>
+              <a:tblPr firstRow="1" firstCol="1" bandRow="1">
+                <a:tableStyleId>{5C22544A-7EE6-4342-B048-85BDC9FD1C3A}</a:tableStyleId>
+              </a:tblPr>
+              <a:tblGrid>
+                <a:gridCol w="1414167">
+                  <a:extLst>
+                    <a:ext uri="{9D8B030D-6E8A-4147-A177-3AD203B41FA5}">
+                      <a16:colId xmlns:a16="http://schemas.microsoft.com/office/drawing/2014/main" val="1841511640"/>
+                    </a:ext>
+                  </a:extLst>
+                </a:gridCol>
+                <a:gridCol w="1414167">
+                  <a:extLst>
+                    <a:ext uri="{9D8B030D-6E8A-4147-A177-3AD203B41FA5}">
+                      <a16:colId xmlns:a16="http://schemas.microsoft.com/office/drawing/2014/main" val="4160140029"/>
+                    </a:ext>
+                  </a:extLst>
+                </a:gridCol>
+                <a:gridCol w="1414167">
+                  <a:extLst>
+                    <a:ext uri="{9D8B030D-6E8A-4147-A177-3AD203B41FA5}">
+                      <a16:colId xmlns:a16="http://schemas.microsoft.com/office/drawing/2014/main" val="2468128103"/>
+                    </a:ext>
+                  </a:extLst>
+                </a:gridCol>
+                <a:gridCol w="1414167">
+                  <a:extLst>
+                    <a:ext uri="{9D8B030D-6E8A-4147-A177-3AD203B41FA5}">
+                      <a16:colId xmlns:a16="http://schemas.microsoft.com/office/drawing/2014/main" val="527080378"/>
+                    </a:ext>
+                  </a:extLst>
+                </a:gridCol>
+                <a:gridCol w="1414167">
+                  <a:extLst>
+                    <a:ext uri="{9D8B030D-6E8A-4147-A177-3AD203B41FA5}">
+                      <a16:colId xmlns:a16="http://schemas.microsoft.com/office/drawing/2014/main" val="2066914764"/>
+                    </a:ext>
+                  </a:extLst>
+                </a:gridCol>
+              </a:tblGrid>
+              <a:tr h="370840">
+                <a:tc>
+                  <a:txBody>
+                    <a:bodyPr/>
+                    <a:lstStyle/>
+                    <a:p>
+                      <a:pPr algn="ctr"/>
+                      <a:endParaRPr lang="en-US" dirty="0"/>
+                    </a:p>
+                    <a:p>
+                      <a:pPr algn="ctr"/>
+                      <a:endParaRPr lang="en-US" dirty="0"/>
+                    </a:p>
+                    <a:p>
+                      <a:pPr algn="ctr"/>
+                      <a:endParaRPr lang="en-US" dirty="0"/>
+                    </a:p>
+                  </a:txBody>
+                  <a:tcPr anchor="ctr"/>
+                </a:tc>
+                <a:tc>
+                  <a:txBody>
+                    <a:bodyPr/>
+                    <a:lstStyle/>
+                    <a:p>
+                      <a:pPr algn="ctr"/>
+                      <a:r>
+                        <a:rPr lang="en-US" dirty="0"/>
+                        <a:t>Decimal</a:t>
+                      </a:r>
+                    </a:p>
+                  </a:txBody>
+                  <a:tcPr anchor="ctr"/>
+                </a:tc>
+                <a:tc>
+                  <a:txBody>
+                    <a:bodyPr/>
+                    <a:lstStyle/>
+                    <a:p>
+                      <a:pPr algn="ctr"/>
+                      <a:r>
+                        <a:rPr lang="en-US" dirty="0"/>
+                        <a:t>Binary</a:t>
+                      </a:r>
+                    </a:p>
+                  </a:txBody>
+                  <a:tcPr anchor="ctr"/>
+                </a:tc>
+                <a:tc>
+                  <a:txBody>
+                    <a:bodyPr/>
+                    <a:lstStyle/>
+                    <a:p>
+                      <a:pPr algn="ctr"/>
+                      <a:r>
+                        <a:rPr lang="en-US" dirty="0"/>
+                        <a:t>Octal</a:t>
+                      </a:r>
+                    </a:p>
+                  </a:txBody>
+                  <a:tcPr anchor="ctr"/>
+                </a:tc>
+                <a:tc>
+                  <a:txBody>
+                    <a:bodyPr/>
+                    <a:lstStyle/>
+                    <a:p>
+                      <a:pPr algn="ctr"/>
+                      <a:r>
+                        <a:rPr lang="en-US" dirty="0"/>
+                        <a:t>Hexadecimal</a:t>
+                      </a:r>
+                    </a:p>
+                  </a:txBody>
+                  <a:tcPr anchor="ctr"/>
+                </a:tc>
+                <a:extLst>
+                  <a:ext uri="{0D108BD9-81ED-4DB2-BD59-A6C34878D82A}">
+                    <a16:rowId xmlns:a16="http://schemas.microsoft.com/office/drawing/2014/main" val="729130953"/>
+                  </a:ext>
+                </a:extLst>
+              </a:tr>
+              <a:tr h="370840">
+                <a:tc>
+                  <a:txBody>
+                    <a:bodyPr/>
+                    <a:lstStyle/>
+                    <a:p>
+                      <a:pPr algn="ctr"/>
+                      <a:r>
+                        <a:rPr lang="en-US" b="1" dirty="0"/>
+                        <a:t>Decimal</a:t>
+                      </a:r>
+                    </a:p>
+                  </a:txBody>
+                  <a:tcPr anchor="ctr"/>
+                </a:tc>
+                <a:tc>
+                  <a:txBody>
+                    <a:bodyPr/>
+                    <a:lstStyle/>
+                    <a:p>
+                      <a:pPr algn="ctr"/>
+                      <a:r>
+                        <a:rPr lang="en-US" dirty="0"/>
+                        <a:t>-</a:t>
+                      </a:r>
+                    </a:p>
+                  </a:txBody>
+                  <a:tcPr anchor="ctr"/>
+                </a:tc>
+                <a:tc>
+                  <a:txBody>
+                    <a:bodyPr/>
+                    <a:lstStyle/>
+                    <a:p>
+                      <a:pPr algn="ctr"/>
+                      <a:r>
+                        <a:rPr lang="en-US" dirty="0"/>
+                        <a:t>Repeated</a:t>
+                      </a:r>
+                    </a:p>
+                    <a:p>
+                      <a:pPr algn="ctr"/>
+                      <a:r>
+                        <a:rPr lang="en-US" dirty="0"/>
+                        <a:t>Div./</a:t>
+                      </a:r>
+                      <a:r>
+                        <a:rPr lang="en-US" dirty="0" err="1"/>
+                        <a:t>Mult</a:t>
+                      </a:r>
+                      <a:r>
+                        <a:rPr lang="en-US" dirty="0"/>
+                        <a:t>.</a:t>
+                      </a:r>
+                    </a:p>
+                    <a:p>
+                      <a:pPr algn="ctr"/>
+                      <a:r>
+                        <a:rPr lang="en-US" dirty="0"/>
+                        <a:t>By 2</a:t>
+                      </a:r>
+                    </a:p>
+                  </a:txBody>
+                  <a:tcPr anchor="ctr"/>
+                </a:tc>
+                <a:tc>
+                  <a:txBody>
+                    <a:bodyPr/>
+                    <a:lstStyle/>
+                    <a:p>
+                      <a:pPr algn="ctr"/>
+                      <a:r>
+                        <a:rPr lang="en-US" dirty="0"/>
+                        <a:t>Repeated</a:t>
+                      </a:r>
+                    </a:p>
+                    <a:p>
+                      <a:pPr algn="ctr"/>
+                      <a:r>
+                        <a:rPr lang="en-US" dirty="0"/>
+                        <a:t>Div./</a:t>
+                      </a:r>
+                      <a:r>
+                        <a:rPr lang="en-US" dirty="0" err="1"/>
+                        <a:t>Mult</a:t>
+                      </a:r>
+                      <a:r>
+                        <a:rPr lang="en-US" dirty="0"/>
+                        <a:t>.</a:t>
+                      </a:r>
+                    </a:p>
+                    <a:p>
+                      <a:pPr algn="ctr"/>
+                      <a:r>
+                        <a:rPr lang="en-US" dirty="0"/>
+                        <a:t>By 8</a:t>
+                      </a:r>
+                    </a:p>
+                  </a:txBody>
+                  <a:tcPr anchor="ctr"/>
+                </a:tc>
+                <a:tc>
+                  <a:txBody>
+                    <a:bodyPr/>
+                    <a:lstStyle/>
+                    <a:p>
+                      <a:pPr algn="ctr"/>
+                      <a:r>
+                        <a:rPr lang="en-US" dirty="0"/>
+                        <a:t>Repeated</a:t>
+                      </a:r>
+                    </a:p>
+                    <a:p>
+                      <a:pPr algn="ctr"/>
+                      <a:r>
+                        <a:rPr lang="en-US" dirty="0"/>
+                        <a:t>Div./</a:t>
+                      </a:r>
+                      <a:r>
+                        <a:rPr lang="en-US" dirty="0" err="1"/>
+                        <a:t>Mult</a:t>
+                      </a:r>
+                      <a:r>
+                        <a:rPr lang="en-US" dirty="0"/>
+                        <a:t>.</a:t>
+                      </a:r>
+                    </a:p>
+                    <a:p>
+                      <a:pPr algn="ctr"/>
+                      <a:r>
+                        <a:rPr lang="en-US" dirty="0"/>
+                        <a:t>By 16</a:t>
+                      </a:r>
+                    </a:p>
+                  </a:txBody>
+                  <a:tcPr anchor="ctr"/>
+                </a:tc>
+                <a:extLst>
+                  <a:ext uri="{0D108BD9-81ED-4DB2-BD59-A6C34878D82A}">
+                    <a16:rowId xmlns:a16="http://schemas.microsoft.com/office/drawing/2014/main" val="2225442214"/>
+                  </a:ext>
+                </a:extLst>
+              </a:tr>
+              <a:tr h="370840">
+                <a:tc>
+                  <a:txBody>
+                    <a:bodyPr/>
+                    <a:lstStyle/>
+                    <a:p>
+                      <a:pPr algn="ctr"/>
+                      <a:r>
+                        <a:rPr lang="en-US" b="1" dirty="0"/>
+                        <a:t>Binary</a:t>
+                      </a:r>
+                    </a:p>
+                  </a:txBody>
+                  <a:tcPr anchor="ctr"/>
+                </a:tc>
+                <a:tc>
+                  <a:txBody>
+                    <a:bodyPr/>
+                    <a:lstStyle/>
+                    <a:p>
+                      <a:pPr algn="ctr"/>
+                      <a:r>
+                        <a:rPr lang="en-US" dirty="0"/>
+                        <a:t>Sum of Weights</a:t>
+                      </a:r>
+                    </a:p>
+                  </a:txBody>
+                  <a:tcPr anchor="ctr"/>
+                </a:tc>
+                <a:tc>
+                  <a:txBody>
+                    <a:bodyPr/>
+                    <a:lstStyle/>
+                    <a:p>
+                      <a:pPr algn="ctr"/>
+                      <a:r>
+                        <a:rPr lang="en-US" dirty="0"/>
+                        <a:t>-</a:t>
+                      </a:r>
+                    </a:p>
+                  </a:txBody>
+                  <a:tcPr anchor="ctr"/>
+                </a:tc>
+                <a:tc>
+                  <a:txBody>
+                    <a:bodyPr/>
+                    <a:lstStyle/>
+                    <a:p>
+                      <a:pPr algn="ctr"/>
+                      <a:r>
+                        <a:rPr lang="en-US" dirty="0"/>
+                        <a:t>3-bit Grouping</a:t>
+                      </a:r>
+                    </a:p>
+                  </a:txBody>
+                  <a:tcPr anchor="ctr"/>
+                </a:tc>
+                <a:tc>
+                  <a:txBody>
+                    <a:bodyPr/>
+                    <a:lstStyle/>
+                    <a:p>
+                      <a:pPr marL="0" marR="0" lvl="0" indent="0" algn="ctr" defTabSz="914400" rtl="0" eaLnBrk="1" fontAlgn="auto" latinLnBrk="0" hangingPunct="1">
+                        <a:lnSpc>
+                          <a:spcPct val="100000"/>
+                        </a:lnSpc>
+                        <a:spcBef>
+                          <a:spcPts val="0"/>
+                        </a:spcBef>
+                        <a:spcAft>
+                          <a:spcPts val="0"/>
+                        </a:spcAft>
+                        <a:buClrTx/>
+                        <a:buSzTx/>
+                        <a:buFontTx/>
+                        <a:buNone/>
+                        <a:tabLst/>
+                        <a:defRPr/>
+                      </a:pPr>
+                      <a:r>
+                        <a:rPr lang="en-US" dirty="0"/>
+                        <a:t>4-bit Grouping</a:t>
+                      </a:r>
+                    </a:p>
+                  </a:txBody>
+                  <a:tcPr anchor="ctr"/>
+                </a:tc>
+                <a:extLst>
+                  <a:ext uri="{0D108BD9-81ED-4DB2-BD59-A6C34878D82A}">
+                    <a16:rowId xmlns:a16="http://schemas.microsoft.com/office/drawing/2014/main" val="4093345226"/>
+                  </a:ext>
+                </a:extLst>
+              </a:tr>
+              <a:tr h="370840">
+                <a:tc>
+                  <a:txBody>
+                    <a:bodyPr/>
+                    <a:lstStyle/>
+                    <a:p>
+                      <a:pPr algn="ctr"/>
+                      <a:r>
+                        <a:rPr lang="en-US" b="1" dirty="0"/>
+                        <a:t>Octal</a:t>
+                      </a:r>
+                    </a:p>
+                  </a:txBody>
+                  <a:tcPr anchor="ctr"/>
+                </a:tc>
+                <a:tc>
+                  <a:txBody>
+                    <a:bodyPr/>
+                    <a:lstStyle/>
+                    <a:p>
+                      <a:pPr marL="0" marR="0" lvl="0" indent="0" algn="ctr" defTabSz="914400" rtl="0" eaLnBrk="1" fontAlgn="auto" latinLnBrk="0" hangingPunct="1">
+                        <a:lnSpc>
+                          <a:spcPct val="100000"/>
+                        </a:lnSpc>
+                        <a:spcBef>
+                          <a:spcPts val="0"/>
+                        </a:spcBef>
+                        <a:spcAft>
+                          <a:spcPts val="0"/>
+                        </a:spcAft>
+                        <a:buClrTx/>
+                        <a:buSzTx/>
+                        <a:buFontTx/>
+                        <a:buNone/>
+                        <a:tabLst/>
+                        <a:defRPr/>
+                      </a:pPr>
+                      <a:r>
+                        <a:rPr lang="en-US" dirty="0"/>
+                        <a:t>Sum of Weights</a:t>
+                      </a:r>
+                    </a:p>
+                  </a:txBody>
+                  <a:tcPr anchor="ctr"/>
+                </a:tc>
+                <a:tc>
+                  <a:txBody>
+                    <a:bodyPr/>
+                    <a:lstStyle/>
+                    <a:p>
+                      <a:pPr algn="ctr"/>
+                      <a:r>
+                        <a:rPr lang="en-US" dirty="0"/>
+                        <a:t>3-bit Replacement</a:t>
+                      </a:r>
+                    </a:p>
+                  </a:txBody>
+                  <a:tcPr anchor="ctr"/>
+                </a:tc>
+                <a:tc>
+                  <a:txBody>
+                    <a:bodyPr/>
+                    <a:lstStyle/>
+                    <a:p>
+                      <a:pPr algn="ctr"/>
+                      <a:r>
+                        <a:rPr lang="en-US" dirty="0"/>
+                        <a:t>-</a:t>
+                      </a:r>
+                    </a:p>
+                  </a:txBody>
+                  <a:tcPr anchor="ctr"/>
+                </a:tc>
+                <a:tc>
+                  <a:txBody>
+                    <a:bodyPr/>
+                    <a:lstStyle/>
+                    <a:p>
+                      <a:pPr algn="ctr"/>
+                      <a:r>
+                        <a:rPr lang="en-US" dirty="0"/>
+                        <a:t>Oct. </a:t>
+                      </a:r>
+                      <a:r>
+                        <a:rPr lang="en-US" dirty="0">
+                          <a:sym typeface="Wingdings" panose="05000000000000000000" pitchFamily="2" charset="2"/>
+                        </a:rPr>
+                        <a:t> Bin.</a:t>
+                      </a:r>
+                    </a:p>
+                    <a:p>
+                      <a:pPr algn="ctr"/>
+                      <a:r>
+                        <a:rPr lang="en-US" dirty="0">
+                          <a:sym typeface="Wingdings" panose="05000000000000000000" pitchFamily="2" charset="2"/>
+                        </a:rPr>
+                        <a:t>Bin.  Hex.</a:t>
+                      </a:r>
+                      <a:endParaRPr lang="en-US" dirty="0"/>
+                    </a:p>
+                  </a:txBody>
+                  <a:tcPr anchor="ctr"/>
+                </a:tc>
+                <a:extLst>
+                  <a:ext uri="{0D108BD9-81ED-4DB2-BD59-A6C34878D82A}">
+                    <a16:rowId xmlns:a16="http://schemas.microsoft.com/office/drawing/2014/main" val="3461446891"/>
+                  </a:ext>
+                </a:extLst>
+              </a:tr>
+              <a:tr h="370840">
+                <a:tc>
+                  <a:txBody>
+                    <a:bodyPr/>
+                    <a:lstStyle/>
+                    <a:p>
+                      <a:pPr algn="ctr"/>
+                      <a:r>
+                        <a:rPr lang="en-US" b="1" dirty="0"/>
+                        <a:t>Hexadecimal</a:t>
+                      </a:r>
+                    </a:p>
+                  </a:txBody>
+                  <a:tcPr anchor="ctr"/>
+                </a:tc>
+                <a:tc>
+                  <a:txBody>
+                    <a:bodyPr/>
+                    <a:lstStyle/>
+                    <a:p>
+                      <a:pPr marL="0" marR="0" lvl="0" indent="0" algn="ctr" defTabSz="914400" rtl="0" eaLnBrk="1" fontAlgn="auto" latinLnBrk="0" hangingPunct="1">
+                        <a:lnSpc>
+                          <a:spcPct val="100000"/>
+                        </a:lnSpc>
+                        <a:spcBef>
+                          <a:spcPts val="0"/>
+                        </a:spcBef>
+                        <a:spcAft>
+                          <a:spcPts val="0"/>
+                        </a:spcAft>
+                        <a:buClrTx/>
+                        <a:buSzTx/>
+                        <a:buFontTx/>
+                        <a:buNone/>
+                        <a:tabLst/>
+                        <a:defRPr/>
+                      </a:pPr>
+                      <a:r>
+                        <a:rPr lang="en-US" dirty="0"/>
+                        <a:t>Sum of Weights</a:t>
+                      </a:r>
+                    </a:p>
+                  </a:txBody>
+                  <a:tcPr anchor="ctr"/>
+                </a:tc>
+                <a:tc>
+                  <a:txBody>
+                    <a:bodyPr/>
+                    <a:lstStyle/>
+                    <a:p>
+                      <a:pPr algn="ctr"/>
+                      <a:r>
+                        <a:rPr lang="en-US" dirty="0"/>
+                        <a:t>4-bit Replacement</a:t>
+                      </a:r>
+                    </a:p>
+                  </a:txBody>
+                  <a:tcPr anchor="ctr"/>
+                </a:tc>
+                <a:tc>
+                  <a:txBody>
+                    <a:bodyPr/>
+                    <a:lstStyle/>
+                    <a:p>
+                      <a:pPr algn="ctr"/>
+                      <a:r>
+                        <a:rPr lang="en-US" dirty="0"/>
+                        <a:t>Hex. </a:t>
+                      </a:r>
+                      <a:r>
+                        <a:rPr lang="en-US" dirty="0">
+                          <a:sym typeface="Wingdings" panose="05000000000000000000" pitchFamily="2" charset="2"/>
+                        </a:rPr>
+                        <a:t> Bin.</a:t>
+                      </a:r>
+                    </a:p>
+                    <a:p>
+                      <a:pPr algn="ctr"/>
+                      <a:r>
+                        <a:rPr lang="en-US" dirty="0">
+                          <a:sym typeface="Wingdings" panose="05000000000000000000" pitchFamily="2" charset="2"/>
+                        </a:rPr>
+                        <a:t>Bin.  Oct.</a:t>
+                      </a:r>
+                      <a:endParaRPr lang="en-US" dirty="0"/>
+                    </a:p>
+                  </a:txBody>
+                  <a:tcPr anchor="ctr"/>
+                </a:tc>
+                <a:tc>
+                  <a:txBody>
+                    <a:bodyPr/>
+                    <a:lstStyle/>
+                    <a:p>
+                      <a:pPr algn="ctr"/>
+                      <a:r>
+                        <a:rPr lang="en-US" dirty="0"/>
+                        <a:t>-</a:t>
+                      </a:r>
+                    </a:p>
+                  </a:txBody>
+                  <a:tcPr anchor="ctr"/>
+                </a:tc>
+                <a:extLst>
+                  <a:ext uri="{0D108BD9-81ED-4DB2-BD59-A6C34878D82A}">
+                    <a16:rowId xmlns:a16="http://schemas.microsoft.com/office/drawing/2014/main" val="142826798"/>
+                  </a:ext>
+                </a:extLst>
+              </a:tr>
+            </a:tbl>
+          </a:graphicData>
+        </a:graphic>
+      </p:graphicFrame>
+      <p:sp>
+        <p:nvSpPr>
+          <p:cNvPr id="8" name="Text Placeholder 7">
+            <a:extLst>
+              <a:ext uri="{FF2B5EF4-FFF2-40B4-BE49-F238E27FC236}">
+                <a16:creationId xmlns:a16="http://schemas.microsoft.com/office/drawing/2014/main" id="{BC6FAADF-88DD-4540-B65D-0713C1D4EECA}"/>
+              </a:ext>
+            </a:extLst>
+          </p:cNvPr>
+          <p:cNvSpPr>
+            <a:spLocks noGrp="1"/>
+          </p:cNvSpPr>
+          <p:nvPr>
+            <p:ph type="body" sz="half" idx="2"/>
+          </p:nvPr>
+        </p:nvSpPr>
+        <p:spPr/>
+        <p:txBody>
+          <a:bodyPr/>
+          <a:lstStyle/>
+          <a:p>
+            <a:endParaRPr lang="en-US"/>
+          </a:p>
+        </p:txBody>
+      </p:sp>
+      <p:sp>
+        <p:nvSpPr>
+          <p:cNvPr id="4" name="Footer Placeholder 3">
+            <a:extLst>
+              <a:ext uri="{FF2B5EF4-FFF2-40B4-BE49-F238E27FC236}">
+                <a16:creationId xmlns:a16="http://schemas.microsoft.com/office/drawing/2014/main" id="{287198D2-CE14-4932-A6D6-9B5041BC1385}"/>
+              </a:ext>
+            </a:extLst>
+          </p:cNvPr>
+          <p:cNvSpPr>
+            <a:spLocks noGrp="1"/>
+          </p:cNvSpPr>
+          <p:nvPr>
+            <p:ph type="ftr" sz="quarter" idx="11"/>
+          </p:nvPr>
+        </p:nvSpPr>
+        <p:spPr/>
+        <p:txBody>
+          <a:bodyPr/>
+          <a:lstStyle/>
+          <a:p>
+            <a:r>
+              <a:rPr lang="en-US"/>
+              <a:t>CS 211 - Digital Logic Design</a:t>
+            </a:r>
+          </a:p>
+        </p:txBody>
+      </p:sp>
+      <p:sp>
+        <p:nvSpPr>
+          <p:cNvPr id="5" name="Slide Number Placeholder 4">
+            <a:extLst>
+              <a:ext uri="{FF2B5EF4-FFF2-40B4-BE49-F238E27FC236}">
+                <a16:creationId xmlns:a16="http://schemas.microsoft.com/office/drawing/2014/main" id="{08D455E2-7B33-43B8-B54F-728437080D92}"/>
+              </a:ext>
+            </a:extLst>
+          </p:cNvPr>
+          <p:cNvSpPr>
+            <a:spLocks noGrp="1"/>
+          </p:cNvSpPr>
+          <p:nvPr>
+            <p:ph type="sldNum" sz="quarter" idx="12"/>
+          </p:nvPr>
+        </p:nvSpPr>
+        <p:spPr/>
+        <p:txBody>
+          <a:bodyPr/>
+          <a:lstStyle/>
+          <a:p>
+            <a:fld id="{1B86254C-6433-4F5E-A9CB-9FCC6BE1C130}" type="slidenum">
+              <a:rPr lang="en-US" smtClean="0"/>
+              <a:t>10</a:t>
+            </a:fld>
+            <a:endParaRPr lang="en-US"/>
+          </a:p>
+        </p:txBody>
+      </p:sp>
+      <p:sp>
+        <p:nvSpPr>
+          <p:cNvPr id="10" name="TextBox 9">
+            <a:extLst>
+              <a:ext uri="{FF2B5EF4-FFF2-40B4-BE49-F238E27FC236}">
+                <a16:creationId xmlns:a16="http://schemas.microsoft.com/office/drawing/2014/main" id="{5BC52E82-4DDF-48C6-8C60-E3A1CA2125F6}"/>
+              </a:ext>
+            </a:extLst>
+          </p:cNvPr>
+          <p:cNvSpPr txBox="1"/>
+          <p:nvPr/>
+        </p:nvSpPr>
+        <p:spPr>
+          <a:xfrm>
+            <a:off x="4663965" y="2096814"/>
+            <a:ext cx="680379" cy="369332"/>
+          </a:xfrm>
+          <a:prstGeom prst="rect">
+            <a:avLst/>
+          </a:prstGeom>
+          <a:noFill/>
+        </p:spPr>
+        <p:txBody>
+          <a:bodyPr wrap="none" rtlCol="0">
+            <a:spAutoFit/>
+          </a:bodyPr>
+          <a:lstStyle/>
+          <a:p>
+            <a:r>
+              <a:rPr lang="en-US" b="1" dirty="0">
+                <a:solidFill>
+                  <a:schemeClr val="bg1"/>
+                </a:solidFill>
+              </a:rPr>
+              <a:t>From</a:t>
+            </a:r>
+          </a:p>
+        </p:txBody>
+      </p:sp>
+      <p:sp>
+        <p:nvSpPr>
+          <p:cNvPr id="11" name="TextBox 10">
+            <a:extLst>
+              <a:ext uri="{FF2B5EF4-FFF2-40B4-BE49-F238E27FC236}">
+                <a16:creationId xmlns:a16="http://schemas.microsoft.com/office/drawing/2014/main" id="{01CC48B1-946A-4667-AD85-403D75135B6C}"/>
+              </a:ext>
+            </a:extLst>
+          </p:cNvPr>
+          <p:cNvSpPr txBox="1"/>
+          <p:nvPr/>
+        </p:nvSpPr>
+        <p:spPr>
+          <a:xfrm>
+            <a:off x="5667706" y="1608502"/>
+            <a:ext cx="401970" cy="369332"/>
+          </a:xfrm>
+          <a:prstGeom prst="rect">
+            <a:avLst/>
+          </a:prstGeom>
+          <a:noFill/>
+        </p:spPr>
+        <p:txBody>
+          <a:bodyPr wrap="none" rtlCol="0">
+            <a:spAutoFit/>
+          </a:bodyPr>
+          <a:lstStyle/>
+          <a:p>
+            <a:r>
+              <a:rPr lang="en-US" b="1" dirty="0">
+                <a:solidFill>
+                  <a:schemeClr val="bg1"/>
+                </a:solidFill>
+              </a:rPr>
+              <a:t>To</a:t>
+            </a:r>
+          </a:p>
+        </p:txBody>
+      </p:sp>
+      <p:cxnSp>
+        <p:nvCxnSpPr>
+          <p:cNvPr id="13" name="Straight Connector 12">
+            <a:extLst>
+              <a:ext uri="{FF2B5EF4-FFF2-40B4-BE49-F238E27FC236}">
+                <a16:creationId xmlns:a16="http://schemas.microsoft.com/office/drawing/2014/main" id="{B49A1A15-5892-431F-81F8-DBB378DB143F}"/>
+              </a:ext>
+            </a:extLst>
+          </p:cNvPr>
+          <p:cNvCxnSpPr/>
+          <p:nvPr/>
+        </p:nvCxnSpPr>
+        <p:spPr>
+          <a:xfrm>
+            <a:off x="4663965" y="1554480"/>
+            <a:ext cx="1432035" cy="911666"/>
+          </a:xfrm>
+          <a:prstGeom prst="line">
+            <a:avLst/>
+          </a:prstGeom>
+          <a:ln w="28575">
+            <a:solidFill>
+              <a:schemeClr val="bg1"/>
+            </a:solidFill>
+          </a:ln>
+        </p:spPr>
+        <p:style>
+          <a:lnRef idx="1">
+            <a:schemeClr val="accent1"/>
+          </a:lnRef>
+          <a:fillRef idx="0">
+            <a:schemeClr val="accent1"/>
+          </a:fillRef>
+          <a:effectRef idx="0">
+            <a:schemeClr val="accent1"/>
+          </a:effectRef>
+          <a:fontRef idx="minor">
+            <a:schemeClr val="tx1"/>
+          </a:fontRef>
+        </p:style>
+      </p:cxnSp>
+    </p:spTree>
+    <p:extLst>
+      <p:ext uri="{BB962C8B-B14F-4D97-AF65-F5344CB8AC3E}">
+        <p14:creationId xmlns:p14="http://schemas.microsoft.com/office/powerpoint/2010/main" val="2128223185"/>
+      </p:ext>
+    </p:extLst>
+  </p:cSld>
+  <p:clrMapOvr>
+    <a:masterClrMapping/>
+  </p:clrMapOvr>
+</p:sld>
+</file>
+
+<file path=ppt/slides/slide11.xml><?xml version="1.0" encoding="utf-8"?>
+<p:sld xmlns:a="http://schemas.openxmlformats.org/drawingml/2006/main" xmlns:r="http://schemas.openxmlformats.org/officeDocument/2006/relationships" xmlns:p="http://schemas.openxmlformats.org/presentationml/2006/main">
+  <p:cSld>
+    <p:spTree>
+      <p:nvGrpSpPr>
+        <p:cNvPr id="1" name=""/>
+        <p:cNvGrpSpPr/>
+        <p:nvPr/>
+      </p:nvGrpSpPr>
+      <p:grpSpPr>
+        <a:xfrm>
+          <a:off x="0" y="0"/>
+          <a:ext cx="0" cy="0"/>
+          <a:chOff x="0" y="0"/>
+          <a:chExt cx="0" cy="0"/>
+        </a:xfrm>
+      </p:grpSpPr>
+      <p:sp>
+        <p:nvSpPr>
           <p:cNvPr id="2" name="Title 1">
             <a:extLst>
               <a:ext uri="{FF2B5EF4-FFF2-40B4-BE49-F238E27FC236}">
@@ -6591,7 +7459,7 @@
           <a:p>
             <a:fld id="{1B86254C-6433-4F5E-A9CB-9FCC6BE1C130}" type="slidenum">
               <a:rPr lang="en-US" smtClean="0"/>
-              <a:t>10</a:t>
+              <a:t>11</a:t>
             </a:fld>
             <a:endParaRPr lang="en-US"/>
           </a:p>
@@ -8957,7 +9825,7 @@
 </p:sld>
 </file>
 
-<file path=ppt/slides/slide11.xml><?xml version="1.0" encoding="utf-8"?>
+<file path=ppt/slides/slide12.xml><?xml version="1.0" encoding="utf-8"?>
 <p:sld xmlns:a="http://schemas.openxmlformats.org/drawingml/2006/main" xmlns:r="http://schemas.openxmlformats.org/officeDocument/2006/relationships" xmlns:p="http://schemas.openxmlformats.org/presentationml/2006/main">
   <p:cSld>
     <p:spTree>
@@ -10511,7 +11379,7 @@
           <a:p>
             <a:fld id="{1B86254C-6433-4F5E-A9CB-9FCC6BE1C130}" type="slidenum">
               <a:rPr lang="en-US" smtClean="0"/>
-              <a:t>11</a:t>
+              <a:t>12</a:t>
             </a:fld>
             <a:endParaRPr lang="en-US"/>
           </a:p>
@@ -11509,7 +12377,7 @@
 </p:sld>
 </file>
 
-<file path=ppt/slides/slide12.xml><?xml version="1.0" encoding="utf-8"?>
+<file path=ppt/slides/slide13.xml><?xml version="1.0" encoding="utf-8"?>
 <p:sld xmlns:a="http://schemas.openxmlformats.org/drawingml/2006/main" xmlns:r="http://schemas.openxmlformats.org/officeDocument/2006/relationships" xmlns:p="http://schemas.openxmlformats.org/presentationml/2006/main">
   <p:cSld>
     <p:spTree>
@@ -11671,7 +12539,7 @@
           <a:p>
             <a:fld id="{1B86254C-6433-4F5E-A9CB-9FCC6BE1C130}" type="slidenum">
               <a:rPr lang="en-US" smtClean="0"/>
-              <a:t>12</a:t>
+              <a:t>13</a:t>
             </a:fld>
             <a:endParaRPr lang="en-US"/>
           </a:p>
@@ -15171,7 +16039,7 @@
 </p:sld>
 </file>
 
-<file path=ppt/slides/slide13.xml><?xml version="1.0" encoding="utf-8"?>
+<file path=ppt/slides/slide14.xml><?xml version="1.0" encoding="utf-8"?>
 <p:sld xmlns:a="http://schemas.openxmlformats.org/drawingml/2006/main" xmlns:r="http://schemas.openxmlformats.org/officeDocument/2006/relationships" xmlns:p="http://schemas.openxmlformats.org/presentationml/2006/main">
   <p:cSld>
     <p:spTree>
@@ -15330,7 +16198,7 @@
           <a:p>
             <a:fld id="{1B86254C-6433-4F5E-A9CB-9FCC6BE1C130}" type="slidenum">
               <a:rPr lang="en-US" smtClean="0"/>
-              <a:t>13</a:t>
+              <a:t>14</a:t>
             </a:fld>
             <a:endParaRPr lang="en-US"/>
           </a:p>
@@ -20065,7 +20933,7 @@
 </p:sld>
 </file>
 
-<file path=ppt/slides/slide14.xml><?xml version="1.0" encoding="utf-8"?>
+<file path=ppt/slides/slide15.xml><?xml version="1.0" encoding="utf-8"?>
 <p:sld xmlns:a="http://schemas.openxmlformats.org/drawingml/2006/main" xmlns:r="http://schemas.openxmlformats.org/officeDocument/2006/relationships" xmlns:p="http://schemas.openxmlformats.org/presentationml/2006/main">
   <p:cSld>
     <p:spTree>
@@ -20280,7 +21148,7 @@
                 <a:tabLst/>
                 <a:defRPr/>
               </a:pPr>
-              <a:t>14</a:t>
+              <a:t>15</a:t>
             </a:fld>
             <a:endParaRPr kumimoji="0" lang="en-US" sz="1800" b="1" i="0" u="none" strike="noStrike" kern="1200" cap="none" spc="0" normalizeH="0" baseline="0" noProof="0">
               <a:ln>
